--- a/HDM Data Science_Burcin.pptx
+++ b/HDM Data Science_Burcin.pptx
@@ -2513,7 +2513,7 @@
           <a:p>
             <a:fld id="{9B39517B-FB26-4CEE-A0CD-05465EABC2B5}" type="datetimeFigureOut">
               <a:rPr lang="de-DE" smtClean="0"/>
-              <a:t>09.03.2023</a:t>
+              <a:t>10.03.2023</a:t>
             </a:fld>
             <a:endParaRPr lang="de-DE"/>
           </a:p>
@@ -4424,10 +4424,6 @@
           <a:bodyPr/>
           <a:lstStyle/>
           <a:p>
-            <a:r>
-              <a:rPr lang="en-US" dirty="0"/>
-              <a:t>Introduction to use case, goal, selection of data set</a:t>
-            </a:r>
             <a:endParaRPr lang="de-DE" dirty="0"/>
           </a:p>
         </p:txBody>
@@ -4449,7 +4445,7 @@
           <a:p>
             <a:fld id="{8CE265D3-6F69-46A3-BC22-BD3030E0EBE5}" type="slidenum">
               <a:rPr lang="de-DE" smtClean="0"/>
-              <a:t>19</a:t>
+              <a:t>18</a:t>
             </a:fld>
             <a:endParaRPr lang="de-DE"/>
           </a:p>
@@ -4458,7 +4454,7 @@
     </p:spTree>
     <p:extLst>
       <p:ext uri="{BB962C8B-B14F-4D97-AF65-F5344CB8AC3E}">
-        <p14:creationId xmlns:p14="http://schemas.microsoft.com/office/powerpoint/2010/main" val="2283732287"/>
+        <p14:creationId xmlns:p14="http://schemas.microsoft.com/office/powerpoint/2010/main" val="1643153561"/>
       </p:ext>
     </p:extLst>
   </p:cSld>
@@ -4537,7 +4533,7 @@
           <a:p>
             <a:fld id="{8CE265D3-6F69-46A3-BC22-BD3030E0EBE5}" type="slidenum">
               <a:rPr lang="de-DE" smtClean="0"/>
-              <a:t>20</a:t>
+              <a:t>19</a:t>
             </a:fld>
             <a:endParaRPr lang="de-DE"/>
           </a:p>
@@ -4546,7 +4542,7 @@
     </p:spTree>
     <p:extLst>
       <p:ext uri="{BB962C8B-B14F-4D97-AF65-F5344CB8AC3E}">
-        <p14:creationId xmlns:p14="http://schemas.microsoft.com/office/powerpoint/2010/main" val="2838446326"/>
+        <p14:creationId xmlns:p14="http://schemas.microsoft.com/office/powerpoint/2010/main" val="2283732287"/>
       </p:ext>
     </p:extLst>
   </p:cSld>
@@ -4625,6 +4621,94 @@
           <a:p>
             <a:fld id="{8CE265D3-6F69-46A3-BC22-BD3030E0EBE5}" type="slidenum">
               <a:rPr lang="de-DE" smtClean="0"/>
+              <a:t>20</a:t>
+            </a:fld>
+            <a:endParaRPr lang="de-DE"/>
+          </a:p>
+        </p:txBody>
+      </p:sp>
+    </p:spTree>
+    <p:extLst>
+      <p:ext uri="{BB962C8B-B14F-4D97-AF65-F5344CB8AC3E}">
+        <p14:creationId xmlns:p14="http://schemas.microsoft.com/office/powerpoint/2010/main" val="2838446326"/>
+      </p:ext>
+    </p:extLst>
+  </p:cSld>
+  <p:clrMapOvr>
+    <a:masterClrMapping/>
+  </p:clrMapOvr>
+</p:notes>
+</file>
+
+<file path=ppt/notesSlides/notesSlide8.xml><?xml version="1.0" encoding="utf-8"?>
+<p:notes xmlns:a="http://schemas.openxmlformats.org/drawingml/2006/main" xmlns:r="http://schemas.openxmlformats.org/officeDocument/2006/relationships" xmlns:p="http://schemas.openxmlformats.org/presentationml/2006/main">
+  <p:cSld>
+    <p:spTree>
+      <p:nvGrpSpPr>
+        <p:cNvPr id="1" name=""/>
+        <p:cNvGrpSpPr/>
+        <p:nvPr/>
+      </p:nvGrpSpPr>
+      <p:grpSpPr>
+        <a:xfrm>
+          <a:off x="0" y="0"/>
+          <a:ext cx="0" cy="0"/>
+          <a:chOff x="0" y="0"/>
+          <a:chExt cx="0" cy="0"/>
+        </a:xfrm>
+      </p:grpSpPr>
+      <p:sp>
+        <p:nvSpPr>
+          <p:cNvPr id="2" name="Folienbildplatzhalter 1"/>
+          <p:cNvSpPr>
+            <a:spLocks noGrp="1" noRot="1" noChangeAspect="1"/>
+          </p:cNvSpPr>
+          <p:nvPr>
+            <p:ph type="sldImg"/>
+          </p:nvPr>
+        </p:nvSpPr>
+        <p:spPr/>
+      </p:sp>
+      <p:sp>
+        <p:nvSpPr>
+          <p:cNvPr id="3" name="Notizenplatzhalter 2"/>
+          <p:cNvSpPr>
+            <a:spLocks noGrp="1"/>
+          </p:cNvSpPr>
+          <p:nvPr>
+            <p:ph type="body" idx="1"/>
+          </p:nvPr>
+        </p:nvSpPr>
+        <p:spPr/>
+        <p:txBody>
+          <a:bodyPr/>
+          <a:lstStyle/>
+          <a:p>
+            <a:r>
+              <a:rPr lang="en-US" dirty="0"/>
+              <a:t>Introduction to use case, goal, selection of data set</a:t>
+            </a:r>
+            <a:endParaRPr lang="de-DE" dirty="0"/>
+          </a:p>
+        </p:txBody>
+      </p:sp>
+      <p:sp>
+        <p:nvSpPr>
+          <p:cNvPr id="4" name="Foliennummernplatzhalter 3"/>
+          <p:cNvSpPr>
+            <a:spLocks noGrp="1"/>
+          </p:cNvSpPr>
+          <p:nvPr>
+            <p:ph type="sldNum" sz="quarter" idx="5"/>
+          </p:nvPr>
+        </p:nvSpPr>
+        <p:spPr/>
+        <p:txBody>
+          <a:bodyPr/>
+          <a:lstStyle/>
+          <a:p>
+            <a:fld id="{8CE265D3-6F69-46A3-BC22-BD3030E0EBE5}" type="slidenum">
+              <a:rPr lang="de-DE" smtClean="0"/>
               <a:t>21</a:t>
             </a:fld>
             <a:endParaRPr lang="de-DE"/>
@@ -4644,7 +4728,7 @@
 </p:notes>
 </file>
 
-<file path=ppt/notesSlides/notesSlide8.xml><?xml version="1.0" encoding="utf-8"?>
+<file path=ppt/notesSlides/notesSlide9.xml><?xml version="1.0" encoding="utf-8"?>
 <p:notes xmlns:a="http://schemas.openxmlformats.org/drawingml/2006/main" xmlns:r="http://schemas.openxmlformats.org/officeDocument/2006/relationships" xmlns:p="http://schemas.openxmlformats.org/presentationml/2006/main">
   <p:cSld>
     <p:spTree>
@@ -4970,7 +5054,7 @@
           <a:p>
             <a:fld id="{ED291B17-9318-49DB-B28B-6E5994AE9581}" type="datetime1">
               <a:rPr lang="en-US" smtClean="0"/>
-              <a:t>3/9/2023</a:t>
+              <a:t>3/10/2023</a:t>
             </a:fld>
             <a:endParaRPr lang="en-US" dirty="0"/>
           </a:p>
@@ -5173,7 +5257,7 @@
           <a:p>
             <a:fld id="{2CED4963-E985-44C4-B8C4-FDD613B7C2F8}" type="datetime1">
               <a:rPr lang="en-US" smtClean="0"/>
-              <a:t>3/9/2023</a:t>
+              <a:t>3/10/2023</a:t>
             </a:fld>
             <a:endParaRPr lang="en-US" dirty="0"/>
           </a:p>
@@ -5535,7 +5619,7 @@
           <a:p>
             <a:fld id="{ED291B17-9318-49DB-B28B-6E5994AE9581}" type="datetime1">
               <a:rPr lang="en-US" smtClean="0"/>
-              <a:t>3/9/2023</a:t>
+              <a:t>3/10/2023</a:t>
             </a:fld>
             <a:endParaRPr lang="en-US" dirty="0"/>
           </a:p>
@@ -5733,7 +5817,7 @@
           <a:p>
             <a:fld id="{78DD82B9-B8EE-4375-B6FF-88FA6ABB15D9}" type="datetime1">
               <a:rPr lang="en-US" smtClean="0"/>
-              <a:t>3/9/2023</a:t>
+              <a:t>3/10/2023</a:t>
             </a:fld>
             <a:endParaRPr lang="en-US" dirty="0"/>
           </a:p>
@@ -6045,7 +6129,7 @@
           <a:p>
             <a:fld id="{B2497495-0637-405E-AE64-5CC7506D51F5}" type="datetime1">
               <a:rPr lang="en-US" smtClean="0"/>
-              <a:t>3/9/2023</a:t>
+              <a:t>3/10/2023</a:t>
             </a:fld>
             <a:endParaRPr lang="en-US" dirty="0"/>
           </a:p>
@@ -6298,7 +6382,7 @@
           <a:p>
             <a:fld id="{7BFFD690-9426-415D-8B65-26881E07B2D4}" type="datetime1">
               <a:rPr lang="en-US" smtClean="0"/>
-              <a:t>3/9/2023</a:t>
+              <a:t>3/10/2023</a:t>
             </a:fld>
             <a:endParaRPr lang="en-US" dirty="0"/>
           </a:p>
@@ -6720,7 +6804,7 @@
           <a:p>
             <a:fld id="{04C4989A-474C-40DE-95B9-011C28B71673}" type="datetime1">
               <a:rPr lang="en-US" smtClean="0"/>
-              <a:t>3/9/2023</a:t>
+              <a:t>3/10/2023</a:t>
             </a:fld>
             <a:endParaRPr lang="en-US" dirty="0"/>
           </a:p>
@@ -6843,7 +6927,7 @@
           <a:p>
             <a:fld id="{5DB4ED54-5B5E-4A04-93D3-5772E3CE3818}" type="datetime1">
               <a:rPr lang="en-US" smtClean="0"/>
-              <a:t>3/9/2023</a:t>
+              <a:t>3/10/2023</a:t>
             </a:fld>
             <a:endParaRPr lang="en-US" dirty="0"/>
           </a:p>
@@ -6938,7 +7022,7 @@
           <a:p>
             <a:fld id="{4EDE50D6-574B-40AF-946F-D52A04ADE379}" type="datetime1">
               <a:rPr lang="en-US" smtClean="0"/>
-              <a:t>3/9/2023</a:t>
+              <a:t>3/10/2023</a:t>
             </a:fld>
             <a:endParaRPr lang="en-US" dirty="0"/>
           </a:p>
@@ -7315,7 +7399,7 @@
           <a:p>
             <a:fld id="{D82884F1-FFEA-405F-9602-3DCA865EDA4E}" type="datetime1">
               <a:rPr lang="en-US" smtClean="0"/>
-              <a:t>3/9/2023</a:t>
+              <a:t>3/10/2023</a:t>
             </a:fld>
             <a:endParaRPr lang="en-US" dirty="0"/>
           </a:p>
@@ -7608,7 +7692,7 @@
           <a:p>
             <a:fld id="{7E18DB4A-8810-4A10-AD5C-D5E2C667F5B3}" type="datetime1">
               <a:rPr lang="en-US" smtClean="0"/>
-              <a:t>3/9/2023</a:t>
+              <a:t>3/10/2023</a:t>
             </a:fld>
             <a:endParaRPr lang="en-US" dirty="0"/>
           </a:p>
@@ -7823,7 +7907,7 @@
           <a:p>
             <a:fld id="{ED291B17-9318-49DB-B28B-6E5994AE9581}" type="datetime1">
               <a:rPr lang="en-US" smtClean="0"/>
-              <a:t>3/9/2023</a:t>
+              <a:t>3/10/2023</a:t>
             </a:fld>
             <a:endParaRPr lang="en-US" dirty="0"/>
           </a:p>
@@ -9336,6 +9420,11 @@
           </p:cNvGraphicFramePr>
           <p:nvPr>
             <p:ph idx="1"/>
+            <p:extLst>
+              <p:ext uri="{D42A27DB-BD31-4B8C-83A1-F6EECF244321}">
+                <p14:modId xmlns:p14="http://schemas.microsoft.com/office/powerpoint/2010/main" val="2205231310"/>
+              </p:ext>
+            </p:extLst>
           </p:nvPr>
         </p:nvGraphicFramePr>
         <p:xfrm>
@@ -9344,7 +9433,7 @@
         </p:xfrm>
         <a:graphic>
           <a:graphicData uri="http://schemas.openxmlformats.org/drawingml/2006/chart">
-            <c:chart xmlns:c="http://schemas.openxmlformats.org/drawingml/2006/chart" xmlns:r="http://schemas.openxmlformats.org/officeDocument/2006/relationships" r:id="rId2"/>
+            <c:chart xmlns:c="http://schemas.openxmlformats.org/drawingml/2006/chart" xmlns:r="http://schemas.openxmlformats.org/officeDocument/2006/relationships" r:id="rId3"/>
           </a:graphicData>
         </a:graphic>
       </p:graphicFrame>
